--- a/kafka.pptx
+++ b/kafka.pptx
@@ -3333,10 +3333,10 @@
       </p:grpSpPr>
       <p:pic>
         <p:nvPicPr>
-          <p:cNvPr id="21" name="Picture 20" descr="Diagram&#10;&#10;Description automatically generated">
-            <a:extLst>
-              <a:ext uri="{FF2B5EF4-FFF2-40B4-BE49-F238E27FC236}">
-                <a16:creationId xmlns:a16="http://schemas.microsoft.com/office/drawing/2014/main" id="{51D894EA-6C2E-5C43-BFBC-8E56831D730D}"/>
+          <p:cNvPr id="25" name="Picture 24" descr="Diagram&#10;&#10;Description automatically generated">
+            <a:extLst>
+              <a:ext uri="{FF2B5EF4-FFF2-40B4-BE49-F238E27FC236}">
+                <a16:creationId xmlns:a16="http://schemas.microsoft.com/office/drawing/2014/main" id="{A5753001-9501-2147-A98F-2982C1BAB2CB}"/>
               </a:ext>
             </a:extLst>
           </p:cNvPr>
@@ -3353,8 +3353,8 @@
         </p:blipFill>
         <p:spPr>
           <a:xfrm>
-            <a:off x="541867" y="244671"/>
-            <a:ext cx="11187289" cy="6368658"/>
+            <a:off x="-234778" y="187468"/>
+            <a:ext cx="12970101" cy="6114478"/>
           </a:xfrm>
           <a:prstGeom prst="rect">
             <a:avLst/>
@@ -4198,10 +4198,10 @@
       </p:grpSpPr>
       <p:pic>
         <p:nvPicPr>
-          <p:cNvPr id="8" name="Picture 7" descr="Diagram&#10;&#10;Description automatically generated">
-            <a:extLst>
-              <a:ext uri="{FF2B5EF4-FFF2-40B4-BE49-F238E27FC236}">
-                <a16:creationId xmlns:a16="http://schemas.microsoft.com/office/drawing/2014/main" id="{F6CB38A0-D08A-934E-B9F6-E2E6615EBAEB}"/>
+          <p:cNvPr id="10" name="Picture 9" descr="Diagram&#10;&#10;Description automatically generated">
+            <a:extLst>
+              <a:ext uri="{FF2B5EF4-FFF2-40B4-BE49-F238E27FC236}">
+                <a16:creationId xmlns:a16="http://schemas.microsoft.com/office/drawing/2014/main" id="{AD3E76F7-474D-3F4E-8179-338A28519909}"/>
               </a:ext>
             </a:extLst>
           </p:cNvPr>
@@ -4218,8 +4218,8 @@
         </p:blipFill>
         <p:spPr>
           <a:xfrm>
-            <a:off x="1063887" y="1037967"/>
-            <a:ext cx="10618129" cy="5325761"/>
+            <a:off x="1429778" y="461760"/>
+            <a:ext cx="9629519" cy="6158716"/>
           </a:xfrm>
           <a:prstGeom prst="rect">
             <a:avLst/>
